--- a/Raw documents/Online health status detection of a motor.pptx
+++ b/Raw documents/Online health status detection of a motor.pptx
@@ -2708,7 +2708,7 @@
           <a:p>
             <a:fld id="{A7DA2518-E018-4309-BAEF-56249EFE0CCA}" type="datetimeFigureOut">
               <a:rPr lang="it-IT" smtClean="0"/>
-              <a:t>22/08/2021</a:t>
+              <a:t>24/08/2021</a:t>
             </a:fld>
             <a:endParaRPr lang="it-IT" dirty="0"/>
           </a:p>
@@ -2762,7 +2762,7 @@
           <a:p>
             <a:fld id="{9AEFBE49-BF21-459B-9EBD-711BD08E063A}" type="slidenum">
               <a:rPr lang="it-IT" smtClean="0"/>
-              <a:t>‹N›</a:t>
+              <a:t>‹#›</a:t>
             </a:fld>
             <a:endParaRPr lang="it-IT" dirty="0"/>
           </a:p>
@@ -2906,7 +2906,7 @@
           <a:p>
             <a:fld id="{A7DA2518-E018-4309-BAEF-56249EFE0CCA}" type="datetimeFigureOut">
               <a:rPr lang="it-IT" smtClean="0"/>
-              <a:t>22/08/2021</a:t>
+              <a:t>24/08/2021</a:t>
             </a:fld>
             <a:endParaRPr lang="it-IT" dirty="0"/>
           </a:p>
@@ -2960,7 +2960,7 @@
           <a:p>
             <a:fld id="{9AEFBE49-BF21-459B-9EBD-711BD08E063A}" type="slidenum">
               <a:rPr lang="it-IT" smtClean="0"/>
-              <a:t>‹N›</a:t>
+              <a:t>‹#›</a:t>
             </a:fld>
             <a:endParaRPr lang="it-IT" dirty="0"/>
           </a:p>
@@ -3114,7 +3114,7 @@
           <a:p>
             <a:fld id="{A7DA2518-E018-4309-BAEF-56249EFE0CCA}" type="datetimeFigureOut">
               <a:rPr lang="it-IT" smtClean="0"/>
-              <a:t>22/08/2021</a:t>
+              <a:t>24/08/2021</a:t>
             </a:fld>
             <a:endParaRPr lang="it-IT" dirty="0"/>
           </a:p>
@@ -3168,7 +3168,7 @@
           <a:p>
             <a:fld id="{9AEFBE49-BF21-459B-9EBD-711BD08E063A}" type="slidenum">
               <a:rPr lang="it-IT" smtClean="0"/>
-              <a:t>‹N›</a:t>
+              <a:t>‹#›</a:t>
             </a:fld>
             <a:endParaRPr lang="it-IT" dirty="0"/>
           </a:p>
@@ -3312,7 +3312,7 @@
           <a:p>
             <a:fld id="{A7DA2518-E018-4309-BAEF-56249EFE0CCA}" type="datetimeFigureOut">
               <a:rPr lang="it-IT" smtClean="0"/>
-              <a:t>22/08/2021</a:t>
+              <a:t>24/08/2021</a:t>
             </a:fld>
             <a:endParaRPr lang="it-IT" dirty="0"/>
           </a:p>
@@ -3366,7 +3366,7 @@
           <a:p>
             <a:fld id="{9AEFBE49-BF21-459B-9EBD-711BD08E063A}" type="slidenum">
               <a:rPr lang="it-IT" smtClean="0"/>
-              <a:t>‹N›</a:t>
+              <a:t>‹#›</a:t>
             </a:fld>
             <a:endParaRPr lang="it-IT" dirty="0"/>
           </a:p>
@@ -3587,7 +3587,7 @@
           <a:p>
             <a:fld id="{A7DA2518-E018-4309-BAEF-56249EFE0CCA}" type="datetimeFigureOut">
               <a:rPr lang="it-IT" smtClean="0"/>
-              <a:t>22/08/2021</a:t>
+              <a:t>24/08/2021</a:t>
             </a:fld>
             <a:endParaRPr lang="it-IT" dirty="0"/>
           </a:p>
@@ -3641,7 +3641,7 @@
           <a:p>
             <a:fld id="{9AEFBE49-BF21-459B-9EBD-711BD08E063A}" type="slidenum">
               <a:rPr lang="it-IT" smtClean="0"/>
-              <a:t>‹N›</a:t>
+              <a:t>‹#›</a:t>
             </a:fld>
             <a:endParaRPr lang="it-IT" dirty="0"/>
           </a:p>
@@ -3852,7 +3852,7 @@
           <a:p>
             <a:fld id="{A7DA2518-E018-4309-BAEF-56249EFE0CCA}" type="datetimeFigureOut">
               <a:rPr lang="it-IT" smtClean="0"/>
-              <a:t>22/08/2021</a:t>
+              <a:t>24/08/2021</a:t>
             </a:fld>
             <a:endParaRPr lang="it-IT" dirty="0"/>
           </a:p>
@@ -3906,7 +3906,7 @@
           <a:p>
             <a:fld id="{9AEFBE49-BF21-459B-9EBD-711BD08E063A}" type="slidenum">
               <a:rPr lang="it-IT" smtClean="0"/>
-              <a:t>‹N›</a:t>
+              <a:t>‹#›</a:t>
             </a:fld>
             <a:endParaRPr lang="it-IT" dirty="0"/>
           </a:p>
@@ -4264,7 +4264,7 @@
           <a:p>
             <a:fld id="{A7DA2518-E018-4309-BAEF-56249EFE0CCA}" type="datetimeFigureOut">
               <a:rPr lang="it-IT" smtClean="0"/>
-              <a:t>22/08/2021</a:t>
+              <a:t>24/08/2021</a:t>
             </a:fld>
             <a:endParaRPr lang="it-IT" dirty="0"/>
           </a:p>
@@ -4318,7 +4318,7 @@
           <a:p>
             <a:fld id="{9AEFBE49-BF21-459B-9EBD-711BD08E063A}" type="slidenum">
               <a:rPr lang="it-IT" smtClean="0"/>
-              <a:t>‹N›</a:t>
+              <a:t>‹#›</a:t>
             </a:fld>
             <a:endParaRPr lang="it-IT" dirty="0"/>
           </a:p>
@@ -4405,7 +4405,7 @@
           <a:p>
             <a:fld id="{A7DA2518-E018-4309-BAEF-56249EFE0CCA}" type="datetimeFigureOut">
               <a:rPr lang="it-IT" smtClean="0"/>
-              <a:t>22/08/2021</a:t>
+              <a:t>24/08/2021</a:t>
             </a:fld>
             <a:endParaRPr lang="it-IT" dirty="0"/>
           </a:p>
@@ -4459,7 +4459,7 @@
           <a:p>
             <a:fld id="{9AEFBE49-BF21-459B-9EBD-711BD08E063A}" type="slidenum">
               <a:rPr lang="it-IT" smtClean="0"/>
-              <a:t>‹N›</a:t>
+              <a:t>‹#›</a:t>
             </a:fld>
             <a:endParaRPr lang="it-IT" dirty="0"/>
           </a:p>
@@ -4518,7 +4518,7 @@
           <a:p>
             <a:fld id="{A7DA2518-E018-4309-BAEF-56249EFE0CCA}" type="datetimeFigureOut">
               <a:rPr lang="it-IT" smtClean="0"/>
-              <a:t>22/08/2021</a:t>
+              <a:t>24/08/2021</a:t>
             </a:fld>
             <a:endParaRPr lang="it-IT" dirty="0"/>
           </a:p>
@@ -4572,7 +4572,7 @@
           <a:p>
             <a:fld id="{9AEFBE49-BF21-459B-9EBD-711BD08E063A}" type="slidenum">
               <a:rPr lang="it-IT" smtClean="0"/>
-              <a:t>‹N›</a:t>
+              <a:t>‹#›</a:t>
             </a:fld>
             <a:endParaRPr lang="it-IT" dirty="0"/>
           </a:p>
@@ -4829,7 +4829,7 @@
           <a:p>
             <a:fld id="{A7DA2518-E018-4309-BAEF-56249EFE0CCA}" type="datetimeFigureOut">
               <a:rPr lang="it-IT" smtClean="0"/>
-              <a:t>22/08/2021</a:t>
+              <a:t>24/08/2021</a:t>
             </a:fld>
             <a:endParaRPr lang="it-IT" dirty="0"/>
           </a:p>
@@ -4883,7 +4883,7 @@
           <a:p>
             <a:fld id="{9AEFBE49-BF21-459B-9EBD-711BD08E063A}" type="slidenum">
               <a:rPr lang="it-IT" smtClean="0"/>
-              <a:t>‹N›</a:t>
+              <a:t>‹#›</a:t>
             </a:fld>
             <a:endParaRPr lang="it-IT" dirty="0"/>
           </a:p>
@@ -5117,7 +5117,7 @@
           <a:p>
             <a:fld id="{A7DA2518-E018-4309-BAEF-56249EFE0CCA}" type="datetimeFigureOut">
               <a:rPr lang="it-IT" smtClean="0"/>
-              <a:t>22/08/2021</a:t>
+              <a:t>24/08/2021</a:t>
             </a:fld>
             <a:endParaRPr lang="it-IT" dirty="0"/>
           </a:p>
@@ -5171,7 +5171,7 @@
           <a:p>
             <a:fld id="{9AEFBE49-BF21-459B-9EBD-711BD08E063A}" type="slidenum">
               <a:rPr lang="it-IT" smtClean="0"/>
-              <a:t>‹N›</a:t>
+              <a:t>‹#›</a:t>
             </a:fld>
             <a:endParaRPr lang="it-IT" dirty="0"/>
           </a:p>
@@ -5358,7 +5358,7 @@
           <a:p>
             <a:fld id="{A7DA2518-E018-4309-BAEF-56249EFE0CCA}" type="datetimeFigureOut">
               <a:rPr lang="it-IT" smtClean="0"/>
-              <a:t>22/08/2021</a:t>
+              <a:t>24/08/2021</a:t>
             </a:fld>
             <a:endParaRPr lang="it-IT" dirty="0"/>
           </a:p>
@@ -5448,7 +5448,7 @@
           <a:p>
             <a:fld id="{9AEFBE49-BF21-459B-9EBD-711BD08E063A}" type="slidenum">
               <a:rPr lang="it-IT" smtClean="0"/>
-              <a:t>‹N›</a:t>
+              <a:t>‹#›</a:t>
             </a:fld>
             <a:endParaRPr lang="it-IT" dirty="0"/>
           </a:p>
@@ -5995,36 +5995,8 @@
               <a:t>PROBLEM: </a:t>
             </a:r>
             <a:r>
-              <a:rPr lang="it-IT" dirty="0" err="1"/>
-              <a:t>Is</a:t>
-            </a:r>
-            <a:r>
               <a:rPr lang="it-IT" dirty="0"/>
-              <a:t>  </a:t>
-            </a:r>
-            <a:r>
-              <a:rPr lang="it-IT" dirty="0" err="1"/>
-              <a:t>possible</a:t>
-            </a:r>
-            <a:r>
-              <a:rPr lang="it-IT" dirty="0"/>
-              <a:t> to </a:t>
-            </a:r>
-            <a:r>
-              <a:rPr lang="it-IT" dirty="0" err="1"/>
-              <a:t>determine</a:t>
-            </a:r>
-            <a:r>
-              <a:rPr lang="it-IT" dirty="0"/>
-              <a:t> the health status of the </a:t>
-            </a:r>
-            <a:r>
-              <a:rPr lang="it-IT" dirty="0" err="1"/>
-              <a:t>motor</a:t>
-            </a:r>
-            <a:r>
-              <a:rPr lang="it-IT" dirty="0"/>
-              <a:t> </a:t>
+              <a:t>Is it possible to determine the health status of the motor </a:t>
             </a:r>
             <a:r>
               <a:rPr lang="en-GB" dirty="0"/>
@@ -6211,7 +6183,7 @@
         <p:spPr>
           <a:xfrm>
             <a:off x="539291" y="2332956"/>
-            <a:ext cx="4521144" cy="2031325"/>
+            <a:ext cx="4521144" cy="2308324"/>
           </a:xfrm>
           <a:prstGeom prst="rect">
             <a:avLst/>
@@ -6358,6 +6330,19 @@
                 <a:cs typeface="Times New Roman" panose="02020603050405020304" pitchFamily="18" charset="0"/>
               </a:rPr>
               <a:t>/accelerometer</a:t>
+            </a:r>
+          </a:p>
+          <a:p>
+            <a:pPr marL="285750" indent="-285750">
+              <a:buFont typeface="Arial" panose="020B0604020202020204" pitchFamily="34" charset="0"/>
+              <a:buChar char="•"/>
+            </a:pPr>
+            <a:r>
+              <a:rPr lang="en-GB" dirty="0">
+                <a:latin typeface="Times New Roman" panose="02020603050405020304" pitchFamily="18" charset="0"/>
+                <a:cs typeface="Times New Roman" panose="02020603050405020304" pitchFamily="18" charset="0"/>
+              </a:rPr>
+              <a:t>Voltmeter and ammeters</a:t>
             </a:r>
             <a:endParaRPr lang="it-IT" dirty="0">
               <a:latin typeface="Times New Roman" panose="02020603050405020304" pitchFamily="18" charset="0"/>
@@ -7425,8 +7410,8 @@
           </mc:Fallback>
         </mc:AlternateContent>
       </p:grpSp>
-      <mc:AlternateContent xmlns:mc="http://schemas.openxmlformats.org/markup-compatibility/2006">
-        <mc:Choice xmlns:p14="http://schemas.microsoft.com/office/powerpoint/2010/main" Requires="p14">
+      <mc:AlternateContent xmlns:mc="http://schemas.openxmlformats.org/markup-compatibility/2006" xmlns:p14="http://schemas.microsoft.com/office/powerpoint/2010/main">
+        <mc:Choice Requires="p14">
           <p:contentPart p14:bwMode="auto" r:id="rId34">
             <p14:nvContentPartPr>
               <p14:cNvPr id="77" name="Input penna 76">
@@ -7445,7 +7430,7 @@
             </p14:xfrm>
           </p:contentPart>
         </mc:Choice>
-        <mc:Fallback>
+        <mc:Fallback xmlns="">
           <p:pic>
             <p:nvPicPr>
               <p:cNvPr id="77" name="Input penna 76">
@@ -7476,8 +7461,8 @@
           </p:pic>
         </mc:Fallback>
       </mc:AlternateContent>
-      <mc:AlternateContent xmlns:mc="http://schemas.openxmlformats.org/markup-compatibility/2006">
-        <mc:Choice xmlns:p14="http://schemas.microsoft.com/office/powerpoint/2010/main" Requires="p14">
+      <mc:AlternateContent xmlns:mc="http://schemas.openxmlformats.org/markup-compatibility/2006" xmlns:p14="http://schemas.microsoft.com/office/powerpoint/2010/main">
+        <mc:Choice Requires="p14">
           <p:contentPart p14:bwMode="auto" r:id="rId36">
             <p14:nvContentPartPr>
               <p14:cNvPr id="78" name="Input penna 77">
@@ -7496,7 +7481,7 @@
             </p14:xfrm>
           </p:contentPart>
         </mc:Choice>
-        <mc:Fallback>
+        <mc:Fallback xmlns="">
           <p:pic>
             <p:nvPicPr>
               <p:cNvPr id="78" name="Input penna 77">
@@ -7527,8 +7512,8 @@
           </p:pic>
         </mc:Fallback>
       </mc:AlternateContent>
-      <mc:AlternateContent xmlns:mc="http://schemas.openxmlformats.org/markup-compatibility/2006">
-        <mc:Choice xmlns:p14="http://schemas.microsoft.com/office/powerpoint/2010/main" Requires="p14">
+      <mc:AlternateContent xmlns:mc="http://schemas.openxmlformats.org/markup-compatibility/2006" xmlns:p14="http://schemas.microsoft.com/office/powerpoint/2010/main">
+        <mc:Choice Requires="p14">
           <p:contentPart p14:bwMode="auto" r:id="rId38">
             <p14:nvContentPartPr>
               <p14:cNvPr id="79" name="Input penna 78">
@@ -7547,7 +7532,7 @@
             </p14:xfrm>
           </p:contentPart>
         </mc:Choice>
-        <mc:Fallback>
+        <mc:Fallback xmlns="">
           <p:pic>
             <p:nvPicPr>
               <p:cNvPr id="79" name="Input penna 78">
@@ -8280,8 +8265,8 @@
           </a:p>
         </p:txBody>
       </p:sp>
-      <mc:AlternateContent xmlns:mc="http://schemas.openxmlformats.org/markup-compatibility/2006">
-        <mc:Choice xmlns:p14="http://schemas.microsoft.com/office/powerpoint/2010/main" Requires="p14">
+      <mc:AlternateContent xmlns:mc="http://schemas.openxmlformats.org/markup-compatibility/2006" xmlns:p14="http://schemas.microsoft.com/office/powerpoint/2010/main">
+        <mc:Choice Requires="p14">
           <p:contentPart p14:bwMode="auto" r:id="rId3">
             <p14:nvContentPartPr>
               <p14:cNvPr id="49" name="Input penna 48">
@@ -8300,7 +8285,7 @@
             </p14:xfrm>
           </p:contentPart>
         </mc:Choice>
-        <mc:Fallback>
+        <mc:Fallback xmlns="">
           <p:pic>
             <p:nvPicPr>
               <p:cNvPr id="49" name="Input penna 48">
@@ -8331,8 +8316,8 @@
           </p:pic>
         </mc:Fallback>
       </mc:AlternateContent>
-      <mc:AlternateContent xmlns:mc="http://schemas.openxmlformats.org/markup-compatibility/2006">
-        <mc:Choice xmlns:p14="http://schemas.microsoft.com/office/powerpoint/2010/main" Requires="p14">
+      <mc:AlternateContent xmlns:mc="http://schemas.openxmlformats.org/markup-compatibility/2006" xmlns:p14="http://schemas.microsoft.com/office/powerpoint/2010/main">
+        <mc:Choice Requires="p14">
           <p:contentPart p14:bwMode="auto" r:id="rId5">
             <p14:nvContentPartPr>
               <p14:cNvPr id="50" name="Input penna 49">
@@ -8351,7 +8336,7 @@
             </p14:xfrm>
           </p:contentPart>
         </mc:Choice>
-        <mc:Fallback>
+        <mc:Fallback xmlns="">
           <p:pic>
             <p:nvPicPr>
               <p:cNvPr id="50" name="Input penna 49">
@@ -8604,8 +8589,8 @@
           </mc:Fallback>
         </mc:AlternateContent>
       </p:grpSp>
-      <mc:AlternateContent xmlns:mc="http://schemas.openxmlformats.org/markup-compatibility/2006">
-        <mc:Choice xmlns:p14="http://schemas.microsoft.com/office/powerpoint/2010/main" Requires="p14">
+      <mc:AlternateContent xmlns:mc="http://schemas.openxmlformats.org/markup-compatibility/2006" xmlns:p14="http://schemas.microsoft.com/office/powerpoint/2010/main">
+        <mc:Choice Requires="p14">
           <p:contentPart p14:bwMode="auto" r:id="rId28">
             <p14:nvContentPartPr>
               <p14:cNvPr id="77" name="Input penna 76">
@@ -8624,7 +8609,7 @@
             </p14:xfrm>
           </p:contentPart>
         </mc:Choice>
-        <mc:Fallback>
+        <mc:Fallback xmlns="">
           <p:pic>
             <p:nvPicPr>
               <p:cNvPr id="77" name="Input penna 76">
@@ -9215,31 +9200,11 @@
           </a:bodyPr>
           <a:lstStyle/>
           <a:p>
+            <a:pPr algn="ctr"/>
             <a:r>
               <a:rPr lang="it-IT" dirty="0"/>
-              <a:t>Lidar/Radar </a:t>
-            </a:r>
-            <a:r>
-              <a:rPr lang="it-IT" dirty="0" err="1"/>
-              <a:t>read</a:t>
-            </a:r>
-            <a:r>
-              <a:rPr lang="it-IT" dirty="0"/>
-              <a:t> the speed of the </a:t>
-            </a:r>
-            <a:r>
-              <a:rPr lang="it-IT" dirty="0" err="1"/>
-              <a:t>motor’s</a:t>
-            </a:r>
-            <a:r>
-              <a:rPr lang="it-IT" dirty="0"/>
-              <a:t> </a:t>
-            </a:r>
-            <a:r>
-              <a:rPr lang="it-IT" dirty="0" err="1"/>
-              <a:t>shaft</a:t>
-            </a:r>
-            <a:endParaRPr lang="it-IT" dirty="0"/>
+              <a:t>Lidar read the speed of the motor’s shaft</a:t>
+            </a:r>
           </a:p>
         </p:txBody>
       </p:sp>
@@ -9325,6 +9290,7 @@
           </a:bodyPr>
           <a:lstStyle/>
           <a:p>
+            <a:pPr algn="ctr"/>
             <a:r>
               <a:rPr lang="it-IT" dirty="0"/>
               <a:t>The speed data </a:t>
@@ -9425,6 +9391,7 @@
           </a:bodyPr>
           <a:lstStyle/>
           <a:p>
+            <a:pPr algn="ctr"/>
             <a:r>
               <a:rPr lang="it-IT" dirty="0"/>
               <a:t>An ANN </a:t>
@@ -9538,6 +9505,7 @@
           </a:bodyPr>
           <a:lstStyle/>
           <a:p>
+            <a:pPr algn="ctr"/>
             <a:r>
               <a:rPr lang="it-IT" dirty="0"/>
               <a:t>Training </a:t>
@@ -9673,6 +9641,7 @@
           </a:bodyPr>
           <a:lstStyle/>
           <a:p>
+            <a:pPr algn="ctr"/>
             <a:r>
               <a:rPr lang="it-IT" dirty="0" err="1"/>
               <a:t>Retrace</a:t>
@@ -9776,7 +9745,7 @@
         </p:nvSpPr>
         <p:spPr>
           <a:xfrm>
-            <a:off x="402214" y="354498"/>
+            <a:off x="374918" y="434127"/>
             <a:ext cx="7922921" cy="668281"/>
           </a:xfrm>
         </p:spPr>
